--- a/2021.01.29_OneOnOneUpdates.pptx
+++ b/2021.01.29_OneOnOneUpdates.pptx
@@ -5,7 +5,7 @@
     <p:sldMasterId id="2147483648" r:id="rId1"/>
   </p:sldMasterIdLst>
   <p:notesMasterIdLst>
-    <p:notesMasterId r:id="rId18"/>
+    <p:notesMasterId r:id="rId19"/>
   </p:notesMasterIdLst>
   <p:sldIdLst>
     <p:sldId id="256" r:id="rId2"/>
@@ -18,12 +18,13 @@
     <p:sldId id="324" r:id="rId9"/>
     <p:sldId id="325" r:id="rId10"/>
     <p:sldId id="327" r:id="rId11"/>
-    <p:sldId id="313" r:id="rId12"/>
-    <p:sldId id="297" r:id="rId13"/>
-    <p:sldId id="301" r:id="rId14"/>
-    <p:sldId id="302" r:id="rId15"/>
-    <p:sldId id="314" r:id="rId16"/>
-    <p:sldId id="321" r:id="rId17"/>
+    <p:sldId id="328" r:id="rId12"/>
+    <p:sldId id="313" r:id="rId13"/>
+    <p:sldId id="297" r:id="rId14"/>
+    <p:sldId id="301" r:id="rId15"/>
+    <p:sldId id="302" r:id="rId16"/>
+    <p:sldId id="314" r:id="rId17"/>
+    <p:sldId id="321" r:id="rId18"/>
   </p:sldIdLst>
   <p:sldSz cx="9144000" cy="6858000" type="screen4x3"/>
   <p:notesSz cx="6858000" cy="9144000"/>
@@ -223,7 +224,7 @@
           <a:p>
             <a:fld id="{95422CEA-2134-C54D-B545-5847DA6C4A8E}" type="datetimeFigureOut">
               <a:rPr lang="en-US" smtClean="0"/>
-              <a:t>1/29/21</a:t>
+              <a:t>2/3/21</a:t>
             </a:fld>
             <a:endParaRPr lang="en-US"/>
           </a:p>
@@ -928,7 +929,7 @@
           <a:p>
             <a:fld id="{BC668E4A-974F-5D4D-83CB-20C08280C35E}" type="slidenum">
               <a:rPr lang="en-US" smtClean="0"/>
-              <a:t>13</a:t>
+              <a:t>14</a:t>
             </a:fld>
             <a:endParaRPr lang="en-US"/>
           </a:p>
@@ -1018,7 +1019,7 @@
           <a:p>
             <a:fld id="{BC668E4A-974F-5D4D-83CB-20C08280C35E}" type="slidenum">
               <a:rPr lang="en-US" smtClean="0"/>
-              <a:t>14</a:t>
+              <a:t>15</a:t>
             </a:fld>
             <a:endParaRPr lang="en-US"/>
           </a:p>
@@ -1163,7 +1164,7 @@
           <a:p>
             <a:fld id="{BC668E4A-974F-5D4D-83CB-20C08280C35E}" type="slidenum">
               <a:rPr lang="en-US" smtClean="0"/>
-              <a:t>16</a:t>
+              <a:t>17</a:t>
             </a:fld>
             <a:endParaRPr lang="en-US"/>
           </a:p>
@@ -1362,7 +1363,7 @@
           <a:p>
             <a:fld id="{E9DA624D-2E17-4342-836E-71ABD23E16DA}" type="datetime1">
               <a:rPr lang="en-US" smtClean="0"/>
-              <a:t>1/29/21</a:t>
+              <a:t>2/3/21</a:t>
             </a:fld>
             <a:endParaRPr lang="en-US" dirty="0"/>
           </a:p>
@@ -1535,7 +1536,7 @@
           <a:p>
             <a:fld id="{29329774-7BFA-2B46-9164-BB83C5C0C417}" type="datetime1">
               <a:rPr lang="en-US" smtClean="0"/>
-              <a:t>1/29/21</a:t>
+              <a:t>2/3/21</a:t>
             </a:fld>
             <a:endParaRPr lang="en-US"/>
           </a:p>
@@ -1709,7 +1710,7 @@
           <a:p>
             <a:fld id="{8B020BE7-A5C5-9249-9037-8ACB2BCEBBDA}" type="datetime1">
               <a:rPr lang="en-US" smtClean="0"/>
-              <a:t>1/29/21</a:t>
+              <a:t>2/3/21</a:t>
             </a:fld>
             <a:endParaRPr lang="en-US"/>
           </a:p>
@@ -1873,7 +1874,7 @@
           <a:p>
             <a:fld id="{18B0DAE0-167C-E244-AE75-755727B4BFA0}" type="datetime1">
               <a:rPr lang="en-US" smtClean="0"/>
-              <a:t>1/29/21</a:t>
+              <a:t>2/3/21</a:t>
             </a:fld>
             <a:endParaRPr lang="en-US"/>
           </a:p>
@@ -2115,7 +2116,7 @@
           <a:p>
             <a:fld id="{EABBB8E0-CBFA-FC4A-AD97-50731D705069}" type="datetime1">
               <a:rPr lang="en-US" smtClean="0"/>
-              <a:t>1/29/21</a:t>
+              <a:t>2/3/21</a:t>
             </a:fld>
             <a:endParaRPr lang="en-US"/>
           </a:p>
@@ -2396,7 +2397,7 @@
           <a:p>
             <a:fld id="{1DBFCDB0-7162-1D45-AB97-8B8A3ADC1110}" type="datetime1">
               <a:rPr lang="en-US" smtClean="0"/>
-              <a:t>1/29/21</a:t>
+              <a:t>2/3/21</a:t>
             </a:fld>
             <a:endParaRPr lang="en-US"/>
           </a:p>
@@ -2811,7 +2812,7 @@
           <a:p>
             <a:fld id="{8107E8EB-CBB6-1047-939C-60CDFDC42FD6}" type="datetime1">
               <a:rPr lang="en-US" smtClean="0"/>
-              <a:t>1/29/21</a:t>
+              <a:t>2/3/21</a:t>
             </a:fld>
             <a:endParaRPr lang="en-US"/>
           </a:p>
@@ -2992,7 +2993,7 @@
           <a:p>
             <a:fld id="{BC9EA744-C10E-944E-932B-DFB1BC4B0793}" type="datetime1">
               <a:rPr lang="en-US" smtClean="0"/>
-              <a:t>1/29/21</a:t>
+              <a:t>2/3/21</a:t>
             </a:fld>
             <a:endParaRPr lang="en-US"/>
           </a:p>
@@ -3263,7 +3264,7 @@
           <a:p>
             <a:fld id="{062AD325-3520-DD4F-BF35-A2D53BC8878C}" type="datetime1">
               <a:rPr lang="en-US" smtClean="0"/>
-              <a:t>1/29/21</a:t>
+              <a:t>2/3/21</a:t>
             </a:fld>
             <a:endParaRPr lang="en-US"/>
           </a:p>
@@ -3514,7 +3515,7 @@
           <a:p>
             <a:fld id="{587DACA1-86EE-4C4D-9C7E-5B68DA790A24}" type="datetime1">
               <a:rPr lang="en-US" smtClean="0"/>
-              <a:t>1/29/21</a:t>
+              <a:t>2/3/21</a:t>
             </a:fld>
             <a:endParaRPr lang="en-US"/>
           </a:p>
@@ -3723,7 +3724,7 @@
           <a:p>
             <a:fld id="{0E0E6322-EA0F-1E47-B778-C2F5BEC8CF0F}" type="datetime1">
               <a:rPr lang="en-US" smtClean="0"/>
-              <a:t>1/29/21</a:t>
+              <a:t>2/3/21</a:t>
             </a:fld>
             <a:endParaRPr lang="en-US"/>
           </a:p>
@@ -5052,6 +5053,101 @@
           <a:chExt cx="0" cy="0"/>
         </a:xfrm>
       </p:grpSpPr>
+      <p:pic>
+        <p:nvPicPr>
+          <p:cNvPr id="6" name="Content Placeholder 5" descr="Chart&#10;&#10;Description automatically generated">
+            <a:extLst>
+              <a:ext uri="{FF2B5EF4-FFF2-40B4-BE49-F238E27FC236}">
+                <a16:creationId xmlns:a16="http://schemas.microsoft.com/office/drawing/2014/main" id="{0F7501BA-80F5-CC4D-929C-BE0C7A3A1321}"/>
+              </a:ext>
+            </a:extLst>
+          </p:cNvPr>
+          <p:cNvPicPr>
+            <a:picLocks noGrp="1" noChangeAspect="1"/>
+          </p:cNvPicPr>
+          <p:nvPr>
+            <p:ph idx="1"/>
+          </p:nvPr>
+        </p:nvPicPr>
+        <p:blipFill>
+          <a:blip r:embed="rId2">
+            <a:extLst>
+              <a:ext uri="{28A0092B-C50C-407E-A947-70E740481C1C}">
+                <a14:useLocalDpi xmlns:a14="http://schemas.microsoft.com/office/drawing/2010/main" val="0"/>
+              </a:ext>
+            </a:extLst>
+          </a:blip>
+          <a:stretch>
+            <a:fillRect/>
+          </a:stretch>
+        </p:blipFill>
+        <p:spPr>
+          <a:xfrm>
+            <a:off x="1554691" y="846138"/>
+            <a:ext cx="6034617" cy="4525963"/>
+          </a:xfrm>
+        </p:spPr>
+      </p:pic>
+      <p:sp>
+        <p:nvSpPr>
+          <p:cNvPr id="4" name="Slide Number Placeholder 3">
+            <a:extLst>
+              <a:ext uri="{FF2B5EF4-FFF2-40B4-BE49-F238E27FC236}">
+                <a16:creationId xmlns:a16="http://schemas.microsoft.com/office/drawing/2014/main" id="{A362798B-0587-EC43-8AA4-15C3B2648179}"/>
+              </a:ext>
+            </a:extLst>
+          </p:cNvPr>
+          <p:cNvSpPr>
+            <a:spLocks noGrp="1"/>
+          </p:cNvSpPr>
+          <p:nvPr>
+            <p:ph type="sldNum" sz="quarter" idx="12"/>
+          </p:nvPr>
+        </p:nvSpPr>
+        <p:spPr/>
+        <p:txBody>
+          <a:bodyPr/>
+          <a:lstStyle/>
+          <a:p>
+            <a:fld id="{9E3EFB43-BEAF-4970-A06C-24B01B76FA99}" type="slidenum">
+              <a:rPr lang="en-US" smtClean="0"/>
+              <a:pPr/>
+              <a:t>11</a:t>
+            </a:fld>
+            <a:endParaRPr lang="en-US"/>
+          </a:p>
+        </p:txBody>
+      </p:sp>
+    </p:spTree>
+    <p:extLst>
+      <p:ext uri="{BB962C8B-B14F-4D97-AF65-F5344CB8AC3E}">
+        <p14:creationId xmlns:p14="http://schemas.microsoft.com/office/powerpoint/2010/main" val="2900388697"/>
+      </p:ext>
+    </p:extLst>
+  </p:cSld>
+  <p:clrMapOvr>
+    <a:masterClrMapping/>
+  </p:clrMapOvr>
+</p:sld>
+</file>
+
+<file path=ppt/slides/slide12.xml><?xml version="1.0" encoding="utf-8"?>
+<p:sld xmlns:a="http://schemas.openxmlformats.org/drawingml/2006/main" xmlns:r="http://schemas.openxmlformats.org/officeDocument/2006/relationships" xmlns:p="http://schemas.openxmlformats.org/presentationml/2006/main">
+  <p:cSld>
+    <p:spTree>
+      <p:nvGrpSpPr>
+        <p:cNvPr id="1" name=""/>
+        <p:cNvGrpSpPr/>
+        <p:nvPr/>
+      </p:nvGrpSpPr>
+      <p:grpSpPr>
+        <a:xfrm>
+          <a:off x="0" y="0"/>
+          <a:ext cx="0" cy="0"/>
+          <a:chOff x="0" y="0"/>
+          <a:chExt cx="0" cy="0"/>
+        </a:xfrm>
+      </p:grpSpPr>
       <p:sp>
         <p:nvSpPr>
           <p:cNvPr id="6" name="Rectangle 5">
@@ -5231,7 +5327,7 @@
             <a:fld id="{9E3EFB43-BEAF-4970-A06C-24B01B76FA99}" type="slidenum">
               <a:rPr lang="en-US" smtClean="0"/>
               <a:pPr/>
-              <a:t>11</a:t>
+              <a:t>12</a:t>
             </a:fld>
             <a:endParaRPr lang="en-US"/>
           </a:p>
@@ -5328,126 +5424,6 @@
 </p:sld>
 </file>
 
-<file path=ppt/slides/slide12.xml><?xml version="1.0" encoding="utf-8"?>
-<p:sld xmlns:a="http://schemas.openxmlformats.org/drawingml/2006/main" xmlns:r="http://schemas.openxmlformats.org/officeDocument/2006/relationships" xmlns:p="http://schemas.openxmlformats.org/presentationml/2006/main">
-  <p:cSld>
-    <p:spTree>
-      <p:nvGrpSpPr>
-        <p:cNvPr id="1" name=""/>
-        <p:cNvGrpSpPr/>
-        <p:nvPr/>
-      </p:nvGrpSpPr>
-      <p:grpSpPr>
-        <a:xfrm>
-          <a:off x="0" y="0"/>
-          <a:ext cx="0" cy="0"/>
-          <a:chOff x="0" y="0"/>
-          <a:chExt cx="0" cy="0"/>
-        </a:xfrm>
-      </p:grpSpPr>
-      <p:sp>
-        <p:nvSpPr>
-          <p:cNvPr id="2" name="Title 1">
-            <a:extLst>
-              <a:ext uri="{FF2B5EF4-FFF2-40B4-BE49-F238E27FC236}">
-                <a16:creationId xmlns:a16="http://schemas.microsoft.com/office/drawing/2014/main" id="{EAD16F49-9CFC-5F4F-8F26-94D3677575AA}"/>
-              </a:ext>
-            </a:extLst>
-          </p:cNvPr>
-          <p:cNvSpPr>
-            <a:spLocks noGrp="1"/>
-          </p:cNvSpPr>
-          <p:nvPr>
-            <p:ph type="title"/>
-          </p:nvPr>
-        </p:nvSpPr>
-        <p:spPr/>
-        <p:txBody>
-          <a:bodyPr/>
-          <a:lstStyle/>
-          <a:p>
-            <a:r>
-              <a:rPr lang="en-US" dirty="0">
-                <a:solidFill>
-                  <a:srgbClr val="CFB879"/>
-                </a:solidFill>
-              </a:rPr>
-              <a:t>RBD Conformation Impact on Association Rate</a:t>
-            </a:r>
-          </a:p>
-        </p:txBody>
-      </p:sp>
-      <p:sp>
-        <p:nvSpPr>
-          <p:cNvPr id="3" name="Text Placeholder 2">
-            <a:extLst>
-              <a:ext uri="{FF2B5EF4-FFF2-40B4-BE49-F238E27FC236}">
-                <a16:creationId xmlns:a16="http://schemas.microsoft.com/office/drawing/2014/main" id="{CB62FEF6-6C2E-664D-8EDB-90DFC87B6293}"/>
-              </a:ext>
-            </a:extLst>
-          </p:cNvPr>
-          <p:cNvSpPr>
-            <a:spLocks noGrp="1"/>
-          </p:cNvSpPr>
-          <p:nvPr>
-            <p:ph type="body" idx="1"/>
-          </p:nvPr>
-        </p:nvSpPr>
-        <p:spPr/>
-        <p:txBody>
-          <a:bodyPr/>
-          <a:lstStyle/>
-          <a:p>
-            <a:r>
-              <a:rPr lang="en-US" dirty="0"/>
-              <a:t>Project 2</a:t>
-            </a:r>
-          </a:p>
-        </p:txBody>
-      </p:sp>
-      <p:sp>
-        <p:nvSpPr>
-          <p:cNvPr id="4" name="Slide Number Placeholder 3">
-            <a:extLst>
-              <a:ext uri="{FF2B5EF4-FFF2-40B4-BE49-F238E27FC236}">
-                <a16:creationId xmlns:a16="http://schemas.microsoft.com/office/drawing/2014/main" id="{807F092B-AA8E-4D4A-A553-9BE4B4429C91}"/>
-              </a:ext>
-            </a:extLst>
-          </p:cNvPr>
-          <p:cNvSpPr>
-            <a:spLocks noGrp="1"/>
-          </p:cNvSpPr>
-          <p:nvPr>
-            <p:ph type="sldNum" sz="quarter" idx="12"/>
-          </p:nvPr>
-        </p:nvSpPr>
-        <p:spPr/>
-        <p:txBody>
-          <a:bodyPr/>
-          <a:lstStyle/>
-          <a:p>
-            <a:fld id="{9E3EFB43-BEAF-4970-A06C-24B01B76FA99}" type="slidenum">
-              <a:rPr lang="en-US" smtClean="0"/>
-              <a:pPr/>
-              <a:t>12</a:t>
-            </a:fld>
-            <a:endParaRPr lang="en-US"/>
-          </a:p>
-        </p:txBody>
-      </p:sp>
-    </p:spTree>
-    <p:extLst>
-      <p:ext uri="{BB962C8B-B14F-4D97-AF65-F5344CB8AC3E}">
-        <p14:creationId xmlns:p14="http://schemas.microsoft.com/office/powerpoint/2010/main" val="3324628818"/>
-      </p:ext>
-    </p:extLst>
-  </p:cSld>
-  <p:clrMapOvr>
-    <a:masterClrMapping/>
-  </p:clrMapOvr>
-</p:sld>
-</file>
-
 <file path=ppt/slides/slide13.xml><?xml version="1.0" encoding="utf-8"?>
 <p:sld xmlns:a="http://schemas.openxmlformats.org/drawingml/2006/main" xmlns:r="http://schemas.openxmlformats.org/officeDocument/2006/relationships" xmlns:p="http://schemas.openxmlformats.org/presentationml/2006/main">
   <p:cSld>
@@ -5470,7 +5446,7 @@
           <p:cNvPr id="2" name="Title 1">
             <a:extLst>
               <a:ext uri="{FF2B5EF4-FFF2-40B4-BE49-F238E27FC236}">
-                <a16:creationId xmlns:a16="http://schemas.microsoft.com/office/drawing/2014/main" id="{EE3EEBAD-B0D5-A543-866E-0E33DF1EC9C9}"/>
+                <a16:creationId xmlns:a16="http://schemas.microsoft.com/office/drawing/2014/main" id="{EAD16F49-9CFC-5F4F-8F26-94D3677575AA}"/>
               </a:ext>
             </a:extLst>
           </p:cNvPr>
@@ -5487,18 +5463,22 @@
           <a:lstStyle/>
           <a:p>
             <a:r>
-              <a:rPr lang="en-US" dirty="0"/>
-              <a:t>Procedure</a:t>
-            </a:r>
-          </a:p>
-        </p:txBody>
-      </p:sp>
-      <p:sp>
-        <p:nvSpPr>
-          <p:cNvPr id="3" name="Content Placeholder 2">
+              <a:rPr lang="en-US" dirty="0">
+                <a:solidFill>
+                  <a:srgbClr val="CFB879"/>
+                </a:solidFill>
+              </a:rPr>
+              <a:t>RBD Conformation Impact on Association Rate</a:t>
+            </a:r>
+          </a:p>
+        </p:txBody>
+      </p:sp>
+      <p:sp>
+        <p:nvSpPr>
+          <p:cNvPr id="3" name="Text Placeholder 2">
             <a:extLst>
               <a:ext uri="{FF2B5EF4-FFF2-40B4-BE49-F238E27FC236}">
-                <a16:creationId xmlns:a16="http://schemas.microsoft.com/office/drawing/2014/main" id="{7C3EAF31-8999-9647-9617-569A076F691E}"/>
+                <a16:creationId xmlns:a16="http://schemas.microsoft.com/office/drawing/2014/main" id="{CB62FEF6-6C2E-664D-8EDB-90DFC87B6293}"/>
               </a:ext>
             </a:extLst>
           </p:cNvPr>
@@ -5506,58 +5486,17 @@
             <a:spLocks noGrp="1"/>
           </p:cNvSpPr>
           <p:nvPr>
-            <p:ph idx="1"/>
+            <p:ph type="body" idx="1"/>
           </p:nvPr>
         </p:nvSpPr>
         <p:spPr/>
         <p:txBody>
-          <a:bodyPr>
-            <a:normAutofit lnSpcReduction="10000"/>
-          </a:bodyPr>
-          <a:lstStyle/>
-          <a:p>
-            <a:pPr marL="514350" indent="-514350">
-              <a:buAutoNum type="arabicPeriod"/>
-            </a:pPr>
+          <a:bodyPr/>
+          <a:lstStyle/>
+          <a:p>
             <a:r>
               <a:rPr lang="en-US" dirty="0"/>
-              <a:t>Find the spike protein in 4 different states: 0 up, 1 up, 2 up, 3 up and align it to the antibody</a:t>
-            </a:r>
-          </a:p>
-          <a:p>
-            <a:pPr marL="514350" indent="-514350">
-              <a:buAutoNum type="arabicPeriod"/>
-            </a:pPr>
-            <a:r>
-              <a:rPr lang="en-US" dirty="0"/>
-              <a:t>Determine the association rate corresponding to each of these states</a:t>
-            </a:r>
-          </a:p>
-          <a:p>
-            <a:pPr marL="514350" indent="-514350">
-              <a:buAutoNum type="arabicPeriod"/>
-            </a:pPr>
-            <a:r>
-              <a:rPr lang="en-US" dirty="0"/>
-              <a:t>Model affinity maturation of B cells where the antigens are the spike proteins in different conformations.</a:t>
-            </a:r>
-          </a:p>
-          <a:p>
-            <a:pPr marL="514350" indent="-514350">
-              <a:buAutoNum type="arabicPeriod"/>
-            </a:pPr>
-            <a:r>
-              <a:rPr lang="en-US" dirty="0"/>
-              <a:t>Show how the different conformations impact affinity maturation.</a:t>
-            </a:r>
-          </a:p>
-          <a:p>
-            <a:pPr marL="514350" indent="-514350">
-              <a:buAutoNum type="arabicPeriod"/>
-            </a:pPr>
-            <a:r>
-              <a:rPr lang="en-US" dirty="0"/>
-              <a:t>Apply this theory to other strains of COVID. </a:t>
+              <a:t>Project 2</a:t>
             </a:r>
           </a:p>
         </p:txBody>
@@ -5567,7 +5506,7 @@
           <p:cNvPr id="4" name="Slide Number Placeholder 3">
             <a:extLst>
               <a:ext uri="{FF2B5EF4-FFF2-40B4-BE49-F238E27FC236}">
-                <a16:creationId xmlns:a16="http://schemas.microsoft.com/office/drawing/2014/main" id="{12372019-F87B-6843-834D-B597708D1F8D}"/>
+                <a16:creationId xmlns:a16="http://schemas.microsoft.com/office/drawing/2014/main" id="{807F092B-AA8E-4D4A-A553-9BE4B4429C91}"/>
               </a:ext>
             </a:extLst>
           </p:cNvPr>
@@ -5595,7 +5534,7 @@
     </p:spTree>
     <p:extLst>
       <p:ext uri="{BB962C8B-B14F-4D97-AF65-F5344CB8AC3E}">
-        <p14:creationId xmlns:p14="http://schemas.microsoft.com/office/powerpoint/2010/main" val="2980333688"/>
+        <p14:creationId xmlns:p14="http://schemas.microsoft.com/office/powerpoint/2010/main" val="3324628818"/>
       </p:ext>
     </p:extLst>
   </p:cSld>
@@ -5624,6 +5563,163 @@
       </p:grpSpPr>
       <p:sp>
         <p:nvSpPr>
+          <p:cNvPr id="2" name="Title 1">
+            <a:extLst>
+              <a:ext uri="{FF2B5EF4-FFF2-40B4-BE49-F238E27FC236}">
+                <a16:creationId xmlns:a16="http://schemas.microsoft.com/office/drawing/2014/main" id="{EE3EEBAD-B0D5-A543-866E-0E33DF1EC9C9}"/>
+              </a:ext>
+            </a:extLst>
+          </p:cNvPr>
+          <p:cNvSpPr>
+            <a:spLocks noGrp="1"/>
+          </p:cNvSpPr>
+          <p:nvPr>
+            <p:ph type="title"/>
+          </p:nvPr>
+        </p:nvSpPr>
+        <p:spPr/>
+        <p:txBody>
+          <a:bodyPr/>
+          <a:lstStyle/>
+          <a:p>
+            <a:r>
+              <a:rPr lang="en-US" dirty="0"/>
+              <a:t>Procedure</a:t>
+            </a:r>
+          </a:p>
+        </p:txBody>
+      </p:sp>
+      <p:sp>
+        <p:nvSpPr>
+          <p:cNvPr id="3" name="Content Placeholder 2">
+            <a:extLst>
+              <a:ext uri="{FF2B5EF4-FFF2-40B4-BE49-F238E27FC236}">
+                <a16:creationId xmlns:a16="http://schemas.microsoft.com/office/drawing/2014/main" id="{7C3EAF31-8999-9647-9617-569A076F691E}"/>
+              </a:ext>
+            </a:extLst>
+          </p:cNvPr>
+          <p:cNvSpPr>
+            <a:spLocks noGrp="1"/>
+          </p:cNvSpPr>
+          <p:nvPr>
+            <p:ph idx="1"/>
+          </p:nvPr>
+        </p:nvSpPr>
+        <p:spPr/>
+        <p:txBody>
+          <a:bodyPr>
+            <a:normAutofit lnSpcReduction="10000"/>
+          </a:bodyPr>
+          <a:lstStyle/>
+          <a:p>
+            <a:pPr marL="514350" indent="-514350">
+              <a:buAutoNum type="arabicPeriod"/>
+            </a:pPr>
+            <a:r>
+              <a:rPr lang="en-US" dirty="0"/>
+              <a:t>Find the spike protein in 4 different states: 0 up, 1 up, 2 up, 3 up and align it to the antibody</a:t>
+            </a:r>
+          </a:p>
+          <a:p>
+            <a:pPr marL="514350" indent="-514350">
+              <a:buAutoNum type="arabicPeriod"/>
+            </a:pPr>
+            <a:r>
+              <a:rPr lang="en-US" dirty="0"/>
+              <a:t>Determine the association rate corresponding to each of these states</a:t>
+            </a:r>
+          </a:p>
+          <a:p>
+            <a:pPr marL="514350" indent="-514350">
+              <a:buAutoNum type="arabicPeriod"/>
+            </a:pPr>
+            <a:r>
+              <a:rPr lang="en-US" dirty="0"/>
+              <a:t>Model affinity maturation of B cells where the antigens are the spike proteins in different conformations.</a:t>
+            </a:r>
+          </a:p>
+          <a:p>
+            <a:pPr marL="514350" indent="-514350">
+              <a:buAutoNum type="arabicPeriod"/>
+            </a:pPr>
+            <a:r>
+              <a:rPr lang="en-US" dirty="0"/>
+              <a:t>Show how the different conformations impact affinity maturation.</a:t>
+            </a:r>
+          </a:p>
+          <a:p>
+            <a:pPr marL="514350" indent="-514350">
+              <a:buAutoNum type="arabicPeriod"/>
+            </a:pPr>
+            <a:r>
+              <a:rPr lang="en-US" dirty="0"/>
+              <a:t>Apply this theory to other strains of COVID. </a:t>
+            </a:r>
+          </a:p>
+        </p:txBody>
+      </p:sp>
+      <p:sp>
+        <p:nvSpPr>
+          <p:cNvPr id="4" name="Slide Number Placeholder 3">
+            <a:extLst>
+              <a:ext uri="{FF2B5EF4-FFF2-40B4-BE49-F238E27FC236}">
+                <a16:creationId xmlns:a16="http://schemas.microsoft.com/office/drawing/2014/main" id="{12372019-F87B-6843-834D-B597708D1F8D}"/>
+              </a:ext>
+            </a:extLst>
+          </p:cNvPr>
+          <p:cNvSpPr>
+            <a:spLocks noGrp="1"/>
+          </p:cNvSpPr>
+          <p:nvPr>
+            <p:ph type="sldNum" sz="quarter" idx="12"/>
+          </p:nvPr>
+        </p:nvSpPr>
+        <p:spPr/>
+        <p:txBody>
+          <a:bodyPr/>
+          <a:lstStyle/>
+          <a:p>
+            <a:fld id="{9E3EFB43-BEAF-4970-A06C-24B01B76FA99}" type="slidenum">
+              <a:rPr lang="en-US" smtClean="0"/>
+              <a:pPr/>
+              <a:t>14</a:t>
+            </a:fld>
+            <a:endParaRPr lang="en-US"/>
+          </a:p>
+        </p:txBody>
+      </p:sp>
+    </p:spTree>
+    <p:extLst>
+      <p:ext uri="{BB962C8B-B14F-4D97-AF65-F5344CB8AC3E}">
+        <p14:creationId xmlns:p14="http://schemas.microsoft.com/office/powerpoint/2010/main" val="2980333688"/>
+      </p:ext>
+    </p:extLst>
+  </p:cSld>
+  <p:clrMapOvr>
+    <a:masterClrMapping/>
+  </p:clrMapOvr>
+</p:sld>
+</file>
+
+<file path=ppt/slides/slide15.xml><?xml version="1.0" encoding="utf-8"?>
+<p:sld xmlns:a="http://schemas.openxmlformats.org/drawingml/2006/main" xmlns:r="http://schemas.openxmlformats.org/officeDocument/2006/relationships" xmlns:p="http://schemas.openxmlformats.org/presentationml/2006/main">
+  <p:cSld>
+    <p:spTree>
+      <p:nvGrpSpPr>
+        <p:cNvPr id="1" name=""/>
+        <p:cNvGrpSpPr/>
+        <p:nvPr/>
+      </p:nvGrpSpPr>
+      <p:grpSpPr>
+        <a:xfrm>
+          <a:off x="0" y="0"/>
+          <a:ext cx="0" cy="0"/>
+          <a:chOff x="0" y="0"/>
+          <a:chExt cx="0" cy="0"/>
+        </a:xfrm>
+      </p:grpSpPr>
+      <p:sp>
+        <p:nvSpPr>
           <p:cNvPr id="4" name="Slide Number Placeholder 3">
             <a:extLst>
               <a:ext uri="{FF2B5EF4-FFF2-40B4-BE49-F238E27FC236}">
@@ -5646,7 +5742,7 @@
             <a:fld id="{9E3EFB43-BEAF-4970-A06C-24B01B76FA99}" type="slidenum">
               <a:rPr lang="en-US" smtClean="0"/>
               <a:pPr/>
-              <a:t>14</a:t>
+              <a:t>15</a:t>
             </a:fld>
             <a:endParaRPr lang="en-US"/>
           </a:p>
@@ -5807,7 +5903,7 @@
 </p:sld>
 </file>
 
-<file path=ppt/slides/slide15.xml><?xml version="1.0" encoding="utf-8"?>
+<file path=ppt/slides/slide16.xml><?xml version="1.0" encoding="utf-8"?>
 <p:sld xmlns:a="http://schemas.openxmlformats.org/drawingml/2006/main" xmlns:r="http://schemas.openxmlformats.org/officeDocument/2006/relationships" xmlns:p="http://schemas.openxmlformats.org/presentationml/2006/main">
   <p:cSld>
     <p:spTree>
@@ -6057,7 +6153,7 @@
             <a:fld id="{9E3EFB43-BEAF-4970-A06C-24B01B76FA99}" type="slidenum">
               <a:rPr lang="en-US" smtClean="0"/>
               <a:pPr/>
-              <a:t>15</a:t>
+              <a:t>16</a:t>
             </a:fld>
             <a:endParaRPr lang="en-US"/>
           </a:p>
@@ -6182,7 +6278,7 @@
 </p:sld>
 </file>
 
-<file path=ppt/slides/slide16.xml><?xml version="1.0" encoding="utf-8"?>
+<file path=ppt/slides/slide17.xml><?xml version="1.0" encoding="utf-8"?>
 <p:sld xmlns:a="http://schemas.openxmlformats.org/drawingml/2006/main" xmlns:r="http://schemas.openxmlformats.org/officeDocument/2006/relationships" xmlns:p="http://schemas.openxmlformats.org/presentationml/2006/main">
   <p:cSld>
     <p:spTree>
@@ -6223,7 +6319,7 @@
             <a:fld id="{9E3EFB43-BEAF-4970-A06C-24B01B76FA99}" type="slidenum">
               <a:rPr lang="en-US" smtClean="0"/>
               <a:pPr/>
-              <a:t>16</a:t>
+              <a:t>17</a:t>
             </a:fld>
             <a:endParaRPr lang="en-US"/>
           </a:p>
@@ -6341,7 +6437,9 @@
         </p:nvSpPr>
         <p:spPr/>
         <p:txBody>
-          <a:bodyPr/>
+          <a:bodyPr>
+            <a:normAutofit/>
+          </a:bodyPr>
           <a:lstStyle/>
           <a:p>
             <a:pPr marL="0" indent="0">
@@ -6395,24 +6493,13 @@
               <a:buFontTx/>
               <a:buChar char="-"/>
             </a:pPr>
-            <a:endParaRPr lang="en-US" dirty="0"/>
-          </a:p>
-          <a:p>
-            <a:pPr marL="0" indent="0">
-              <a:buNone/>
-            </a:pPr>
-            <a:r>
-              <a:rPr lang="en-US" dirty="0"/>
-              <a:t>Website</a:t>
-            </a:r>
-          </a:p>
-          <a:p>
-            <a:pPr marL="0" indent="0">
-              <a:buNone/>
-            </a:pPr>
-            <a:r>
-              <a:rPr lang="en-US" dirty="0"/>
-              <a:t>- I am planning on doing this, just with my computer issues it was pushed back. </a:t>
+            <a:r>
+              <a:rPr lang="en-US" dirty="0">
+                <a:highlight>
+                  <a:srgbClr val="CFB879"/>
+                </a:highlight>
+              </a:rPr>
+              <a:t>Emailed twice (first time I did not reply to the email, second time I did) </a:t>
             </a:r>
           </a:p>
         </p:txBody>
@@ -7665,8 +7752,8 @@
           </a:p>
         </p:txBody>
       </p:sp>
-      <mc:AlternateContent xmlns:mc="http://schemas.openxmlformats.org/markup-compatibility/2006">
-        <mc:Choice xmlns:a14="http://schemas.microsoft.com/office/drawing/2010/main" Requires="a14">
+      <mc:AlternateContent xmlns:mc="http://schemas.openxmlformats.org/markup-compatibility/2006" xmlns:a14="http://schemas.microsoft.com/office/drawing/2010/main">
+        <mc:Choice Requires="a14">
           <p:sp>
             <p:nvSpPr>
               <p:cNvPr id="10" name="TextBox 9">
@@ -8114,7 +8201,7 @@
             </p:txBody>
           </p:sp>
         </mc:Choice>
-        <mc:Fallback>
+        <mc:Fallback xmlns="">
           <p:sp>
             <p:nvSpPr>
               <p:cNvPr id="10" name="TextBox 9">
@@ -8465,8 +8552,8 @@
           </a:p>
         </p:txBody>
       </p:sp>
-      <mc:AlternateContent xmlns:mc="http://schemas.openxmlformats.org/markup-compatibility/2006">
-        <mc:Choice xmlns:a14="http://schemas.microsoft.com/office/drawing/2010/main" Requires="a14">
+      <mc:AlternateContent xmlns:mc="http://schemas.openxmlformats.org/markup-compatibility/2006" xmlns:a14="http://schemas.microsoft.com/office/drawing/2010/main">
+        <mc:Choice Requires="a14">
           <p:sp>
             <p:nvSpPr>
               <p:cNvPr id="11" name="TextBox 10">
@@ -8534,7 +8621,7 @@
             </p:txBody>
           </p:sp>
         </mc:Choice>
-        <mc:Fallback>
+        <mc:Fallback xmlns="">
           <p:sp>
             <p:nvSpPr>
               <p:cNvPr id="11" name="TextBox 10">
